--- a/INFORMATION/presentacion_06_06_2016.pptx
+++ b/INFORMATION/presentacion_06_06_2016.pptx
@@ -34701,11 +34701,11 @@
           <c:showPercent val="0"/>
           <c:showBubbleSize val="0"/>
         </c:dLbls>
-        <c:axId val="194450944"/>
-        <c:axId val="194507136"/>
+        <c:axId val="120316672"/>
+        <c:axId val="120318592"/>
       </c:scatterChart>
       <c:valAx>
-        <c:axId val="194450944"/>
+        <c:axId val="120316672"/>
         <c:scaling>
           <c:orientation val="minMax"/>
         </c:scaling>
@@ -34739,12 +34739,12 @@
         <c:majorTickMark val="none"/>
         <c:minorTickMark val="none"/>
         <c:tickLblPos val="nextTo"/>
-        <c:crossAx val="194507136"/>
+        <c:crossAx val="120318592"/>
         <c:crosses val="autoZero"/>
         <c:crossBetween val="midCat"/>
       </c:valAx>
       <c:valAx>
-        <c:axId val="194507136"/>
+        <c:axId val="120318592"/>
         <c:scaling>
           <c:orientation val="minMax"/>
         </c:scaling>
@@ -34790,7 +34790,7 @@
         <c:majorTickMark val="none"/>
         <c:minorTickMark val="none"/>
         <c:tickLblPos val="nextTo"/>
-        <c:crossAx val="194450944"/>
+        <c:crossAx val="120316672"/>
         <c:crosses val="autoZero"/>
         <c:crossBetween val="midCat"/>
       </c:valAx>
@@ -35767,11 +35767,11 @@
           <c:showPercent val="0"/>
           <c:showBubbleSize val="0"/>
         </c:dLbls>
-        <c:axId val="147018112"/>
-        <c:axId val="194352256"/>
+        <c:axId val="262298240"/>
+        <c:axId val="262300416"/>
       </c:scatterChart>
       <c:valAx>
-        <c:axId val="147018112"/>
+        <c:axId val="262298240"/>
         <c:scaling>
           <c:orientation val="minMax"/>
         </c:scaling>
@@ -35800,12 +35800,12 @@
         <c:majorTickMark val="none"/>
         <c:minorTickMark val="none"/>
         <c:tickLblPos val="nextTo"/>
-        <c:crossAx val="194352256"/>
+        <c:crossAx val="262300416"/>
         <c:crosses val="autoZero"/>
         <c:crossBetween val="midCat"/>
       </c:valAx>
       <c:valAx>
-        <c:axId val="194352256"/>
+        <c:axId val="262300416"/>
         <c:scaling>
           <c:orientation val="minMax"/>
         </c:scaling>
@@ -35851,7 +35851,7 @@
         <c:majorTickMark val="none"/>
         <c:minorTickMark val="none"/>
         <c:tickLblPos val="nextTo"/>
-        <c:crossAx val="147018112"/>
+        <c:crossAx val="262298240"/>
         <c:crosses val="autoZero"/>
         <c:crossBetween val="midCat"/>
       </c:valAx>
@@ -40655,7 +40655,7 @@
             </a:r>
             <a:r>
               <a:rPr lang="es-AR" dirty="0" err="1" smtClean="0"/>
-              <a:t>selecion</a:t>
+              <a:t>selection</a:t>
             </a:r>
             <a:endParaRPr lang="es-AR" dirty="0"/>
           </a:p>

--- a/INFORMATION/presentacion_06_06_2016.pptx
+++ b/INFORMATION/presentacion_06_06_2016.pptx
@@ -34701,11 +34701,11 @@
           <c:showPercent val="0"/>
           <c:showBubbleSize val="0"/>
         </c:dLbls>
-        <c:axId val="120316672"/>
-        <c:axId val="120318592"/>
+        <c:axId val="231593088"/>
+        <c:axId val="231595008"/>
       </c:scatterChart>
       <c:valAx>
-        <c:axId val="120316672"/>
+        <c:axId val="231593088"/>
         <c:scaling>
           <c:orientation val="minMax"/>
         </c:scaling>
@@ -34739,12 +34739,12 @@
         <c:majorTickMark val="none"/>
         <c:minorTickMark val="none"/>
         <c:tickLblPos val="nextTo"/>
-        <c:crossAx val="120318592"/>
+        <c:crossAx val="231595008"/>
         <c:crosses val="autoZero"/>
         <c:crossBetween val="midCat"/>
       </c:valAx>
       <c:valAx>
-        <c:axId val="120318592"/>
+        <c:axId val="231595008"/>
         <c:scaling>
           <c:orientation val="minMax"/>
         </c:scaling>
@@ -34790,7 +34790,7 @@
         <c:majorTickMark val="none"/>
         <c:minorTickMark val="none"/>
         <c:tickLblPos val="nextTo"/>
-        <c:crossAx val="120316672"/>
+        <c:crossAx val="231593088"/>
         <c:crosses val="autoZero"/>
         <c:crossBetween val="midCat"/>
       </c:valAx>
@@ -35767,11 +35767,11 @@
           <c:showPercent val="0"/>
           <c:showBubbleSize val="0"/>
         </c:dLbls>
-        <c:axId val="262298240"/>
-        <c:axId val="262300416"/>
+        <c:axId val="256047744"/>
+        <c:axId val="257531264"/>
       </c:scatterChart>
       <c:valAx>
-        <c:axId val="262298240"/>
+        <c:axId val="256047744"/>
         <c:scaling>
           <c:orientation val="minMax"/>
         </c:scaling>
@@ -35800,12 +35800,12 @@
         <c:majorTickMark val="none"/>
         <c:minorTickMark val="none"/>
         <c:tickLblPos val="nextTo"/>
-        <c:crossAx val="262300416"/>
+        <c:crossAx val="257531264"/>
         <c:crosses val="autoZero"/>
         <c:crossBetween val="midCat"/>
       </c:valAx>
       <c:valAx>
-        <c:axId val="262300416"/>
+        <c:axId val="257531264"/>
         <c:scaling>
           <c:orientation val="minMax"/>
         </c:scaling>
@@ -35851,7 +35851,7 @@
         <c:majorTickMark val="none"/>
         <c:minorTickMark val="none"/>
         <c:tickLblPos val="nextTo"/>
-        <c:crossAx val="262298240"/>
+        <c:crossAx val="256047744"/>
         <c:crosses val="autoZero"/>
         <c:crossBetween val="midCat"/>
       </c:valAx>
@@ -36047,7 +36047,7 @@
           <a:p>
             <a:fld id="{25F01924-3DD1-4D82-8063-5E09736391C5}" type="datetimeFigureOut">
               <a:rPr lang="es-AR" smtClean="0"/>
-              <a:t>5/6/2016</a:t>
+              <a:t>6/6/2016</a:t>
             </a:fld>
             <a:endParaRPr lang="es-AR"/>
           </a:p>
@@ -36217,7 +36217,7 @@
           <a:p>
             <a:fld id="{25F01924-3DD1-4D82-8063-5E09736391C5}" type="datetimeFigureOut">
               <a:rPr lang="es-AR" smtClean="0"/>
-              <a:t>5/6/2016</a:t>
+              <a:t>6/6/2016</a:t>
             </a:fld>
             <a:endParaRPr lang="es-AR"/>
           </a:p>
@@ -36397,7 +36397,7 @@
           <a:p>
             <a:fld id="{25F01924-3DD1-4D82-8063-5E09736391C5}" type="datetimeFigureOut">
               <a:rPr lang="es-AR" smtClean="0"/>
-              <a:t>5/6/2016</a:t>
+              <a:t>6/6/2016</a:t>
             </a:fld>
             <a:endParaRPr lang="es-AR"/>
           </a:p>
@@ -36567,7 +36567,7 @@
           <a:p>
             <a:fld id="{25F01924-3DD1-4D82-8063-5E09736391C5}" type="datetimeFigureOut">
               <a:rPr lang="es-AR" smtClean="0"/>
-              <a:t>5/6/2016</a:t>
+              <a:t>6/6/2016</a:t>
             </a:fld>
             <a:endParaRPr lang="es-AR"/>
           </a:p>
@@ -36813,7 +36813,7 @@
           <a:p>
             <a:fld id="{25F01924-3DD1-4D82-8063-5E09736391C5}" type="datetimeFigureOut">
               <a:rPr lang="es-AR" smtClean="0"/>
-              <a:t>5/6/2016</a:t>
+              <a:t>6/6/2016</a:t>
             </a:fld>
             <a:endParaRPr lang="es-AR"/>
           </a:p>
@@ -37101,7 +37101,7 @@
           <a:p>
             <a:fld id="{25F01924-3DD1-4D82-8063-5E09736391C5}" type="datetimeFigureOut">
               <a:rPr lang="es-AR" smtClean="0"/>
-              <a:t>5/6/2016</a:t>
+              <a:t>6/6/2016</a:t>
             </a:fld>
             <a:endParaRPr lang="es-AR"/>
           </a:p>
@@ -37523,7 +37523,7 @@
           <a:p>
             <a:fld id="{25F01924-3DD1-4D82-8063-5E09736391C5}" type="datetimeFigureOut">
               <a:rPr lang="es-AR" smtClean="0"/>
-              <a:t>5/6/2016</a:t>
+              <a:t>6/6/2016</a:t>
             </a:fld>
             <a:endParaRPr lang="es-AR"/>
           </a:p>
@@ -37641,7 +37641,7 @@
           <a:p>
             <a:fld id="{25F01924-3DD1-4D82-8063-5E09736391C5}" type="datetimeFigureOut">
               <a:rPr lang="es-AR" smtClean="0"/>
-              <a:t>5/6/2016</a:t>
+              <a:t>6/6/2016</a:t>
             </a:fld>
             <a:endParaRPr lang="es-AR"/>
           </a:p>
@@ -37736,7 +37736,7 @@
           <a:p>
             <a:fld id="{25F01924-3DD1-4D82-8063-5E09736391C5}" type="datetimeFigureOut">
               <a:rPr lang="es-AR" smtClean="0"/>
-              <a:t>5/6/2016</a:t>
+              <a:t>6/6/2016</a:t>
             </a:fld>
             <a:endParaRPr lang="es-AR"/>
           </a:p>
@@ -38013,7 +38013,7 @@
           <a:p>
             <a:fld id="{25F01924-3DD1-4D82-8063-5E09736391C5}" type="datetimeFigureOut">
               <a:rPr lang="es-AR" smtClean="0"/>
-              <a:t>5/6/2016</a:t>
+              <a:t>6/6/2016</a:t>
             </a:fld>
             <a:endParaRPr lang="es-AR"/>
           </a:p>
@@ -38266,7 +38266,7 @@
           <a:p>
             <a:fld id="{25F01924-3DD1-4D82-8063-5E09736391C5}" type="datetimeFigureOut">
               <a:rPr lang="es-AR" smtClean="0"/>
-              <a:t>5/6/2016</a:t>
+              <a:t>6/6/2016</a:t>
             </a:fld>
             <a:endParaRPr lang="es-AR"/>
           </a:p>
@@ -38479,7 +38479,7 @@
           <a:p>
             <a:fld id="{25F01924-3DD1-4D82-8063-5E09736391C5}" type="datetimeFigureOut">
               <a:rPr lang="es-AR" smtClean="0"/>
-              <a:t>5/6/2016</a:t>
+              <a:t>6/6/2016</a:t>
             </a:fld>
             <a:endParaRPr lang="es-AR"/>
           </a:p>
@@ -41062,7 +41062,7 @@
         </p:nvCxnSpPr>
         <p:spPr>
           <a:xfrm>
-            <a:off x="1259632" y="3926911"/>
+            <a:off x="1252736" y="3861048"/>
             <a:ext cx="7200800" cy="0"/>
           </a:xfrm>
           <a:prstGeom prst="line">
